--- a/data-raw/DBSverify.overview.pptx
+++ b/data-raw/DBSverify.overview.pptx
@@ -201,7 +201,7 @@
           <a:p>
             <a:fld id="{F962AEC8-90D2-46A4-9EF8-1BF74C51EE90}" type="datetimeFigureOut">
               <a:rPr lang="en-SG" smtClean="0"/>
-              <a:t>31/7/2021</a:t>
+              <a:t>1/8/2021</a:t>
             </a:fld>
             <a:endParaRPr lang="en-SG"/>
           </a:p>
@@ -618,7 +618,7 @@
           <a:p>
             <a:fld id="{56A922D9-A3FF-4A6B-96F3-0D60F1C624C7}" type="datetime1">
               <a:rPr lang="en-SG" smtClean="0"/>
-              <a:t>31/7/2021</a:t>
+              <a:t>1/8/2021</a:t>
             </a:fld>
             <a:endParaRPr lang="en-SG"/>
           </a:p>
@@ -818,7 +818,7 @@
           <a:p>
             <a:fld id="{91E7C2F2-1795-455E-B8E9-84F53A287522}" type="datetime1">
               <a:rPr lang="en-SG" smtClean="0"/>
-              <a:t>31/7/2021</a:t>
+              <a:t>1/8/2021</a:t>
             </a:fld>
             <a:endParaRPr lang="en-SG"/>
           </a:p>
@@ -1028,7 +1028,7 @@
           <a:p>
             <a:fld id="{411ADA87-708C-421C-9746-0524264031E9}" type="datetime1">
               <a:rPr lang="en-SG" smtClean="0"/>
-              <a:t>31/7/2021</a:t>
+              <a:t>1/8/2021</a:t>
             </a:fld>
             <a:endParaRPr lang="en-SG"/>
           </a:p>
@@ -1228,7 +1228,7 @@
           <a:p>
             <a:fld id="{D1130072-ED56-49FE-9EFB-56BCDAEE4FFB}" type="datetime1">
               <a:rPr lang="en-SG" smtClean="0"/>
-              <a:t>31/7/2021</a:t>
+              <a:t>1/8/2021</a:t>
             </a:fld>
             <a:endParaRPr lang="en-SG"/>
           </a:p>
@@ -1504,7 +1504,7 @@
           <a:p>
             <a:fld id="{F5D14F79-670C-4C80-8A26-D7FC47F1D455}" type="datetime1">
               <a:rPr lang="en-SG" smtClean="0"/>
-              <a:t>31/7/2021</a:t>
+              <a:t>1/8/2021</a:t>
             </a:fld>
             <a:endParaRPr lang="en-SG"/>
           </a:p>
@@ -1772,7 +1772,7 @@
           <a:p>
             <a:fld id="{9D0E2C35-7725-4EB7-9197-E2D2C07A51B4}" type="datetime1">
               <a:rPr lang="en-SG" smtClean="0"/>
-              <a:t>31/7/2021</a:t>
+              <a:t>1/8/2021</a:t>
             </a:fld>
             <a:endParaRPr lang="en-SG"/>
           </a:p>
@@ -2187,7 +2187,7 @@
           <a:p>
             <a:fld id="{9D86AACE-91C7-4167-A2F3-E12D525F808B}" type="datetime1">
               <a:rPr lang="en-SG" smtClean="0"/>
-              <a:t>31/7/2021</a:t>
+              <a:t>1/8/2021</a:t>
             </a:fld>
             <a:endParaRPr lang="en-SG"/>
           </a:p>
@@ -2329,7 +2329,7 @@
           <a:p>
             <a:fld id="{B7F5D407-222B-43E9-8E4B-70FE513FD552}" type="datetime1">
               <a:rPr lang="en-SG" smtClean="0"/>
-              <a:t>31/7/2021</a:t>
+              <a:t>1/8/2021</a:t>
             </a:fld>
             <a:endParaRPr lang="en-SG"/>
           </a:p>
@@ -2442,7 +2442,7 @@
           <a:p>
             <a:fld id="{FF77F3B4-8D07-4431-ABCB-6EDEB42BFAB3}" type="datetime1">
               <a:rPr lang="en-SG" smtClean="0"/>
-              <a:t>31/7/2021</a:t>
+              <a:t>1/8/2021</a:t>
             </a:fld>
             <a:endParaRPr lang="en-SG"/>
           </a:p>
@@ -2755,7 +2755,7 @@
           <a:p>
             <a:fld id="{8FE9BDA5-02E6-4F03-A269-C0CCF7B208CA}" type="datetime1">
               <a:rPr lang="en-SG" smtClean="0"/>
-              <a:t>31/7/2021</a:t>
+              <a:t>1/8/2021</a:t>
             </a:fld>
             <a:endParaRPr lang="en-SG"/>
           </a:p>
@@ -3044,7 +3044,7 @@
           <a:p>
             <a:fld id="{65A43A47-6910-4CD7-B7BE-C0327F90EDAE}" type="datetime1">
               <a:rPr lang="en-SG" smtClean="0"/>
-              <a:t>31/7/2021</a:t>
+              <a:t>1/8/2021</a:t>
             </a:fld>
             <a:endParaRPr lang="en-SG"/>
           </a:p>
@@ -3287,7 +3287,7 @@
           <a:p>
             <a:fld id="{38A86D64-3C4D-44B1-8AC1-10A55AA5A303}" type="datetime1">
               <a:rPr lang="en-SG" smtClean="0"/>
-              <a:t>31/7/2021</a:t>
+              <a:t>1/8/2021</a:t>
             </a:fld>
             <a:endParaRPr lang="en-SG"/>
           </a:p>
@@ -5175,13 +5175,7 @@
           <a:p>
             <a:r>
               <a:rPr lang="en-SG" sz="1200" dirty="0"/>
-              <a:t>** We investigating what set of potential DBSs we should be testing; none of the PCAWG callers (not even Mutect) called DBSs as such, so we merged adjacent SBSs as candidate DBSs. </a:t>
-            </a:r>
-          </a:p>
-          <a:p>
-            <a:r>
-              <a:rPr lang="en-SG" sz="1200" dirty="0"/>
-              <a:t>For the final data set we only used DBSs that were formed from two SBSs present in the PCAWG consensus VCF, and excluded those that failed DBSverify analysis.</a:t>
+              <a:t>** We investigated what set of potential DBSs we should be verifying. None of the PCAWG callers (not even Mutect as used by PCAWG) called DBSs as such, so we merged adjacent SBSs as candidate DBSs.  For the final data set we only used DBSs that were formed from two SBSs present in the PCAWG consensus VCF, and excluded those that failed DBSverify analysis.</a:t>
             </a:r>
           </a:p>
         </p:txBody>
@@ -5304,7 +5298,7 @@
         </p:spPr>
         <p:txBody>
           <a:bodyPr>
-            <a:normAutofit fontScale="77500" lnSpcReduction="20000"/>
+            <a:normAutofit fontScale="70000" lnSpcReduction="20000"/>
           </a:bodyPr>
           <a:lstStyle/>
           <a:p>
@@ -5425,7 +5419,7 @@
             </a:r>
             <a:r>
               <a:rPr lang="en-US" dirty="0"/>
-              <a:t> were on local computers, used scripts </a:t>
+              <a:t> were on local computers, used scripts data-raw/</a:t>
             </a:r>
             <a:r>
               <a:rPr lang="en-US" dirty="0" err="1"/>
@@ -5438,14 +5432,56 @@
             <a:r>
               <a:rPr lang="en-US" dirty="0">
                 <a:solidFill>
-                  <a:srgbClr val="FF0000"/>
+                  <a:schemeClr val="accent6"/>
                 </a:solidFill>
               </a:rPr>
-              <a:t>XXXXX</a:t>
+              <a:t>XXXXX </a:t>
             </a:r>
             <a:r>
               <a:rPr lang="en-US" dirty="0"/>
-              <a:t> to do evaluate the DBSs.</a:t>
+              <a:t>to evaluate the DBSs.</a:t>
+            </a:r>
+          </a:p>
+          <a:p>
+            <a:r>
+              <a:rPr lang="en-US" dirty="0">
+                <a:solidFill>
+                  <a:schemeClr val="accent6"/>
+                </a:solidFill>
+              </a:rPr>
+              <a:t>Get summary statistics and catalogs (mutational spectrum matrices); as of August1 there </a:t>
+            </a:r>
+            <a:r>
+              <a:rPr lang="en-US">
+                <a:solidFill>
+                  <a:schemeClr val="accent6"/>
+                </a:solidFill>
+              </a:rPr>
+              <a:t>is preliminary code </a:t>
+            </a:r>
+            <a:r>
+              <a:rPr lang="en-US" dirty="0">
+                <a:solidFill>
+                  <a:schemeClr val="accent6"/>
+                </a:solidFill>
+              </a:rPr>
+              <a:t>in data-raw/</a:t>
+            </a:r>
+            <a:r>
+              <a:rPr lang="en-US" dirty="0" err="1">
+                <a:solidFill>
+                  <a:schemeClr val="accent6"/>
+                </a:solidFill>
+              </a:rPr>
+              <a:t>production_scripts</a:t>
+            </a:r>
+            <a:r>
+              <a:rPr lang="en-US" dirty="0">
+                <a:solidFill>
+                  <a:schemeClr val="accent6"/>
+                </a:solidFill>
+              </a:rPr>
+              <a:t>/PCAWG_collab_set1_DBS_VCF_to_catalogs.R</a:t>
             </a:r>
           </a:p>
         </p:txBody>
@@ -5566,7 +5602,7 @@
         </p:spPr>
         <p:txBody>
           <a:bodyPr>
-            <a:normAutofit fontScale="92500" lnSpcReduction="20000"/>
+            <a:normAutofit fontScale="70000" lnSpcReduction="20000"/>
           </a:bodyPr>
           <a:lstStyle/>
           <a:p>
@@ -5591,63 +5627,105 @@
           <a:p>
             <a:r>
               <a:rPr lang="en-SG" dirty="0"/>
-              <a:t>The output contain both DBSs called by the HMF caller and DBS from fused SBSs, but we suggest just using the DBSs called by the HMF caller. The are flagged as “original” in the “source” column of the VCFs. (There were very few DBSs from adjacent SBSs.)</a:t>
+              <a:t>The output contains both DBSs called by the HMF caller and DBS from fused SBSs, but we suggest just using the DBSs called by the HMF caller. The are flagged as “original” in the “source” column of the VCFs. (There were very few DBSs from adjacent SBSs.)</a:t>
             </a:r>
           </a:p>
           <a:p>
             <a:r>
               <a:rPr lang="en-SG" dirty="0"/>
-              <a:t>Test bed/VCF files sent 2021 07 31 </a:t>
-            </a:r>
-          </a:p>
-          <a:p>
-            <a:pPr lvl="1"/>
-            <a:r>
-              <a:rPr lang="en-SG" dirty="0"/>
-              <a:t>CPCT02010371T_HMF_DBS</a:t>
-            </a:r>
-          </a:p>
-          <a:p>
-            <a:pPr lvl="1"/>
-            <a:r>
-              <a:rPr lang="en-SG" dirty="0"/>
-              <a:t>CPCT02010503TII_HMF_DBS</a:t>
-            </a:r>
-          </a:p>
-          <a:p>
-            <a:pPr lvl="1"/>
-            <a:r>
-              <a:rPr lang="en-SG" dirty="0"/>
-              <a:t>CPCT02010747T_HMF_DBS</a:t>
-            </a:r>
-          </a:p>
-          <a:p>
-            <a:pPr lvl="1"/>
-            <a:r>
-              <a:rPr lang="en-SG" dirty="0"/>
-              <a:t>DRUP01010059T_HMF_DBS</a:t>
-            </a:r>
-          </a:p>
-          <a:p>
-            <a:pPr lvl="1"/>
-            <a:r>
-              <a:rPr lang="en-SG" dirty="0"/>
-              <a:t>WIDE01010174T_HMF_DBS</a:t>
-            </a:r>
-          </a:p>
-          <a:p>
-            <a:pPr lvl="1"/>
-            <a:r>
-              <a:rPr lang="en-SG" dirty="0"/>
-              <a:t>WIDE01010646T_HMF_DBS</a:t>
-            </a:r>
-          </a:p>
-          <a:p>
-            <a:pPr lvl="1"/>
-            <a:endParaRPr lang="en-SG" dirty="0"/>
-          </a:p>
-          <a:p>
-            <a:endParaRPr lang="en-SG" dirty="0"/>
+              <a:t>11 test paired bed VCF files sent 2021 08 01 in </a:t>
+            </a:r>
+            <a:r>
+              <a:rPr lang="en-US" dirty="0"/>
+              <a:t>HMF_test_VCF_and_BED_files.zip; some are small, some are much larger. Suggest starting with a small one.</a:t>
+            </a:r>
+          </a:p>
+          <a:p>
+            <a:r>
+              <a:rPr lang="en-US" dirty="0"/>
+              <a:t>We will need something analogous to data-raw/</a:t>
+            </a:r>
+            <a:r>
+              <a:rPr lang="en-US" dirty="0" err="1"/>
+              <a:t>production_scripts</a:t>
+            </a:r>
+            <a:r>
+              <a:rPr lang="en-US" dirty="0"/>
+              <a:t>/ collab_score-client_bamSlice_v4.sh the computing environment for the HMF BAMs.</a:t>
+            </a:r>
+          </a:p>
+          <a:p>
+            <a:r>
+              <a:rPr lang="en-US" dirty="0"/>
+              <a:t>After the </a:t>
+            </a:r>
+            <a:r>
+              <a:rPr lang="en-US" dirty="0" err="1"/>
+              <a:t>miniBAMs</a:t>
+            </a:r>
+            <a:r>
+              <a:rPr lang="en-US" dirty="0"/>
+              <a:t> are downloaded we will need a new function for HMF data that reads the VCF file and corresponding </a:t>
+            </a:r>
+            <a:r>
+              <a:rPr lang="en-US" dirty="0" err="1"/>
+              <a:t>miniBAMs</a:t>
+            </a:r>
+            <a:r>
+              <a:rPr lang="en-US" dirty="0"/>
+              <a:t> to verify the DBSs in the VCF file.  Suggest to model this after </a:t>
+            </a:r>
+            <a:r>
+              <a:rPr lang="en-US" dirty="0" err="1"/>
+              <a:t>PCAWG_read_table_and_evaluate_DBS</a:t>
+            </a:r>
+            <a:r>
+              <a:rPr lang="en-US" dirty="0"/>
+              <a:t>. For the PCAWG data this is called from the script scripts data-raw/</a:t>
+            </a:r>
+            <a:r>
+              <a:rPr lang="en-US" dirty="0" err="1"/>
+              <a:t>production_scripts</a:t>
+            </a:r>
+            <a:r>
+              <a:rPr lang="en-US" dirty="0"/>
+              <a:t>/PCAWG_collaboratory_set1.R</a:t>
+            </a:r>
+          </a:p>
+          <a:p>
+            <a:r>
+              <a:rPr lang="en-US" dirty="0"/>
+              <a:t>After the “evaluated” DBS VCF files are created, it will be necessary to create the matrices (“catalogs”) of the “True DBS” (that were originally called by the HMF caller).  </a:t>
+            </a:r>
+            <a:r>
+              <a:rPr lang="en-US" dirty="0">
+                <a:solidFill>
+                  <a:schemeClr val="accent6"/>
+                </a:solidFill>
+              </a:rPr>
+              <a:t>We can do this in Singapore since we are authorized to work with the HMF VCF files.  As of August 1 there is preliminary code in data-raw/</a:t>
+            </a:r>
+            <a:r>
+              <a:rPr lang="en-US" dirty="0" err="1">
+                <a:solidFill>
+                  <a:schemeClr val="accent6"/>
+                </a:solidFill>
+              </a:rPr>
+              <a:t>production_scripts</a:t>
+            </a:r>
+            <a:r>
+              <a:rPr lang="en-US" dirty="0">
+                <a:solidFill>
+                  <a:schemeClr val="accent6"/>
+                </a:solidFill>
+              </a:rPr>
+              <a:t>/PCAWG_collab_set1_DBS_VCF_to_catalogs.R</a:t>
+            </a:r>
+            <a:endParaRPr lang="en-SG" dirty="0">
+              <a:solidFill>
+                <a:schemeClr val="accent6"/>
+              </a:solidFill>
+            </a:endParaRPr>
           </a:p>
         </p:txBody>
       </p:sp>
@@ -5677,6 +5755,98 @@
               <a:t>4</a:t>
             </a:fld>
             <a:endParaRPr lang="en-SG"/>
+          </a:p>
+        </p:txBody>
+      </p:sp>
+      <p:sp>
+        <p:nvSpPr>
+          <p:cNvPr id="2" name="Arrow: Right 1">
+            <a:extLst>
+              <a:ext uri="{FF2B5EF4-FFF2-40B4-BE49-F238E27FC236}">
+                <a16:creationId xmlns:a16="http://schemas.microsoft.com/office/drawing/2014/main" id="{986031D1-59B6-4AB6-9F24-5467DA321CF8}"/>
+              </a:ext>
+            </a:extLst>
+          </p:cNvPr>
+          <p:cNvSpPr/>
+          <p:nvPr/>
+        </p:nvSpPr>
+        <p:spPr>
+          <a:xfrm>
+            <a:off x="408462" y="3229245"/>
+            <a:ext cx="677677" cy="302866"/>
+          </a:xfrm>
+          <a:prstGeom prst="rightArrow">
+            <a:avLst/>
+          </a:prstGeom>
+        </p:spPr>
+        <p:style>
+          <a:lnRef idx="2">
+            <a:schemeClr val="accent1">
+              <a:shade val="50000"/>
+            </a:schemeClr>
+          </a:lnRef>
+          <a:fillRef idx="1">
+            <a:schemeClr val="accent1"/>
+          </a:fillRef>
+          <a:effectRef idx="0">
+            <a:schemeClr val="accent1"/>
+          </a:effectRef>
+          <a:fontRef idx="minor">
+            <a:schemeClr val="lt1"/>
+          </a:fontRef>
+        </p:style>
+        <p:txBody>
+          <a:bodyPr rtlCol="0" anchor="ctr"/>
+          <a:lstStyle/>
+          <a:p>
+            <a:pPr algn="ctr"/>
+            <a:endParaRPr lang="en-SG" dirty="0"/>
+          </a:p>
+        </p:txBody>
+      </p:sp>
+      <p:sp>
+        <p:nvSpPr>
+          <p:cNvPr id="6" name="Arrow: Right 5">
+            <a:extLst>
+              <a:ext uri="{FF2B5EF4-FFF2-40B4-BE49-F238E27FC236}">
+                <a16:creationId xmlns:a16="http://schemas.microsoft.com/office/drawing/2014/main" id="{CD60E4C8-E894-4947-BE0A-D86FE225D3EB}"/>
+              </a:ext>
+            </a:extLst>
+          </p:cNvPr>
+          <p:cNvSpPr/>
+          <p:nvPr/>
+        </p:nvSpPr>
+        <p:spPr>
+          <a:xfrm>
+            <a:off x="408461" y="3809227"/>
+            <a:ext cx="677677" cy="302866"/>
+          </a:xfrm>
+          <a:prstGeom prst="rightArrow">
+            <a:avLst/>
+          </a:prstGeom>
+        </p:spPr>
+        <p:style>
+          <a:lnRef idx="2">
+            <a:schemeClr val="accent1">
+              <a:shade val="50000"/>
+            </a:schemeClr>
+          </a:lnRef>
+          <a:fillRef idx="1">
+            <a:schemeClr val="accent1"/>
+          </a:fillRef>
+          <a:effectRef idx="0">
+            <a:schemeClr val="accent1"/>
+          </a:effectRef>
+          <a:fontRef idx="minor">
+            <a:schemeClr val="lt1"/>
+          </a:fontRef>
+        </p:style>
+        <p:txBody>
+          <a:bodyPr rtlCol="0" anchor="ctr"/>
+          <a:lstStyle/>
+          <a:p>
+            <a:pPr algn="ctr"/>
+            <a:endParaRPr lang="en-SG" dirty="0"/>
           </a:p>
         </p:txBody>
       </p:sp>
@@ -5694,7 +5864,7 @@
 </file>
 
 <file path=ppt/slides/slide5.xml><?xml version="1.0" encoding="utf-8"?>
-<p:sld xmlns:a="http://schemas.openxmlformats.org/drawingml/2006/main" xmlns:r="http://schemas.openxmlformats.org/officeDocument/2006/relationships" xmlns:p="http://schemas.openxmlformats.org/presentationml/2006/main">
+<p:sld xmlns:a="http://schemas.openxmlformats.org/drawingml/2006/main" xmlns:r="http://schemas.openxmlformats.org/officeDocument/2006/relationships" xmlns:p="http://schemas.openxmlformats.org/presentationml/2006/main" show="0">
   <p:cSld>
     <p:spTree>
       <p:nvGrpSpPr>
@@ -6369,6 +6539,54 @@
               <a:rPr lang="en-SG" smtClean="0"/>
               <a:t>5</a:t>
             </a:fld>
+            <a:endParaRPr lang="en-SG"/>
+          </a:p>
+        </p:txBody>
+      </p:sp>
+      <p:sp>
+        <p:nvSpPr>
+          <p:cNvPr id="8" name="Multiplication Sign 7">
+            <a:extLst>
+              <a:ext uri="{FF2B5EF4-FFF2-40B4-BE49-F238E27FC236}">
+                <a16:creationId xmlns:a16="http://schemas.microsoft.com/office/drawing/2014/main" id="{ED3EDD3A-ACC3-4D58-9145-52CABF4AD75E}"/>
+              </a:ext>
+            </a:extLst>
+          </p:cNvPr>
+          <p:cNvSpPr/>
+          <p:nvPr/>
+        </p:nvSpPr>
+        <p:spPr>
+          <a:xfrm>
+            <a:off x="754564" y="111525"/>
+            <a:ext cx="5251224" cy="5042773"/>
+          </a:xfrm>
+          <a:prstGeom prst="mathMultiply">
+            <a:avLst>
+              <a:gd name="adj1" fmla="val 2911"/>
+            </a:avLst>
+          </a:prstGeom>
+        </p:spPr>
+        <p:style>
+          <a:lnRef idx="2">
+            <a:schemeClr val="accent1">
+              <a:shade val="50000"/>
+            </a:schemeClr>
+          </a:lnRef>
+          <a:fillRef idx="1">
+            <a:schemeClr val="accent1"/>
+          </a:fillRef>
+          <a:effectRef idx="0">
+            <a:schemeClr val="accent1"/>
+          </a:effectRef>
+          <a:fontRef idx="minor">
+            <a:schemeClr val="lt1"/>
+          </a:fontRef>
+        </p:style>
+        <p:txBody>
+          <a:bodyPr rtlCol="0" anchor="ctr"/>
+          <a:lstStyle/>
+          <a:p>
+            <a:pPr algn="ctr"/>
             <a:endParaRPr lang="en-SG"/>
           </a:p>
         </p:txBody>

--- a/data-raw/DBSverify.overview.pptx
+++ b/data-raw/DBSverify.overview.pptx
@@ -3766,7 +3766,7 @@
           <a:p>
             <a:r>
               <a:rPr lang="en-SG" dirty="0"/>
-              <a:t>31 July 2021</a:t>
+              <a:t>1 August 2021</a:t>
             </a:r>
           </a:p>
           <a:p>

--- a/data-raw/DBSverify.overview.pptx
+++ b/data-raw/DBSverify.overview.pptx
@@ -201,7 +201,7 @@
           <a:p>
             <a:fld id="{F962AEC8-90D2-46A4-9EF8-1BF74C51EE90}" type="datetimeFigureOut">
               <a:rPr lang="en-SG" smtClean="0"/>
-              <a:t>1/8/2021</a:t>
+              <a:t>5/8/2021</a:t>
             </a:fld>
             <a:endParaRPr lang="en-SG"/>
           </a:p>
@@ -618,7 +618,7 @@
           <a:p>
             <a:fld id="{56A922D9-A3FF-4A6B-96F3-0D60F1C624C7}" type="datetime1">
               <a:rPr lang="en-SG" smtClean="0"/>
-              <a:t>1/8/2021</a:t>
+              <a:t>5/8/2021</a:t>
             </a:fld>
             <a:endParaRPr lang="en-SG"/>
           </a:p>
@@ -818,7 +818,7 @@
           <a:p>
             <a:fld id="{91E7C2F2-1795-455E-B8E9-84F53A287522}" type="datetime1">
               <a:rPr lang="en-SG" smtClean="0"/>
-              <a:t>1/8/2021</a:t>
+              <a:t>5/8/2021</a:t>
             </a:fld>
             <a:endParaRPr lang="en-SG"/>
           </a:p>
@@ -1028,7 +1028,7 @@
           <a:p>
             <a:fld id="{411ADA87-708C-421C-9746-0524264031E9}" type="datetime1">
               <a:rPr lang="en-SG" smtClean="0"/>
-              <a:t>1/8/2021</a:t>
+              <a:t>5/8/2021</a:t>
             </a:fld>
             <a:endParaRPr lang="en-SG"/>
           </a:p>
@@ -1228,7 +1228,7 @@
           <a:p>
             <a:fld id="{D1130072-ED56-49FE-9EFB-56BCDAEE4FFB}" type="datetime1">
               <a:rPr lang="en-SG" smtClean="0"/>
-              <a:t>1/8/2021</a:t>
+              <a:t>5/8/2021</a:t>
             </a:fld>
             <a:endParaRPr lang="en-SG"/>
           </a:p>
@@ -1504,7 +1504,7 @@
           <a:p>
             <a:fld id="{F5D14F79-670C-4C80-8A26-D7FC47F1D455}" type="datetime1">
               <a:rPr lang="en-SG" smtClean="0"/>
-              <a:t>1/8/2021</a:t>
+              <a:t>5/8/2021</a:t>
             </a:fld>
             <a:endParaRPr lang="en-SG"/>
           </a:p>
@@ -1772,7 +1772,7 @@
           <a:p>
             <a:fld id="{9D0E2C35-7725-4EB7-9197-E2D2C07A51B4}" type="datetime1">
               <a:rPr lang="en-SG" smtClean="0"/>
-              <a:t>1/8/2021</a:t>
+              <a:t>5/8/2021</a:t>
             </a:fld>
             <a:endParaRPr lang="en-SG"/>
           </a:p>
@@ -2187,7 +2187,7 @@
           <a:p>
             <a:fld id="{9D86AACE-91C7-4167-A2F3-E12D525F808B}" type="datetime1">
               <a:rPr lang="en-SG" smtClean="0"/>
-              <a:t>1/8/2021</a:t>
+              <a:t>5/8/2021</a:t>
             </a:fld>
             <a:endParaRPr lang="en-SG"/>
           </a:p>
@@ -2329,7 +2329,7 @@
           <a:p>
             <a:fld id="{B7F5D407-222B-43E9-8E4B-70FE513FD552}" type="datetime1">
               <a:rPr lang="en-SG" smtClean="0"/>
-              <a:t>1/8/2021</a:t>
+              <a:t>5/8/2021</a:t>
             </a:fld>
             <a:endParaRPr lang="en-SG"/>
           </a:p>
@@ -2442,7 +2442,7 @@
           <a:p>
             <a:fld id="{FF77F3B4-8D07-4431-ABCB-6EDEB42BFAB3}" type="datetime1">
               <a:rPr lang="en-SG" smtClean="0"/>
-              <a:t>1/8/2021</a:t>
+              <a:t>5/8/2021</a:t>
             </a:fld>
             <a:endParaRPr lang="en-SG"/>
           </a:p>
@@ -2755,7 +2755,7 @@
           <a:p>
             <a:fld id="{8FE9BDA5-02E6-4F03-A269-C0CCF7B208CA}" type="datetime1">
               <a:rPr lang="en-SG" smtClean="0"/>
-              <a:t>1/8/2021</a:t>
+              <a:t>5/8/2021</a:t>
             </a:fld>
             <a:endParaRPr lang="en-SG"/>
           </a:p>
@@ -3044,7 +3044,7 @@
           <a:p>
             <a:fld id="{65A43A47-6910-4CD7-B7BE-C0327F90EDAE}" type="datetime1">
               <a:rPr lang="en-SG" smtClean="0"/>
-              <a:t>1/8/2021</a:t>
+              <a:t>5/8/2021</a:t>
             </a:fld>
             <a:endParaRPr lang="en-SG"/>
           </a:p>
@@ -3287,7 +3287,7 @@
           <a:p>
             <a:fld id="{38A86D64-3C4D-44B1-8AC1-10A55AA5A303}" type="datetime1">
               <a:rPr lang="en-SG" smtClean="0"/>
-              <a:t>1/8/2021</a:t>
+              <a:t>5/8/2021</a:t>
             </a:fld>
             <a:endParaRPr lang="en-SG"/>
           </a:p>
@@ -5633,7 +5633,15 @@
           <a:p>
             <a:r>
               <a:rPr lang="en-SG" dirty="0"/>
-              <a:t>11 test paired bed VCF files sent 2021 08 01 in </a:t>
+              <a:t>11 </a:t>
+            </a:r>
+            <a:r>
+              <a:rPr lang="en-SG"/>
+              <a:t>test paired </a:t>
+            </a:r>
+            <a:r>
+              <a:rPr lang="en-SG" dirty="0"/>
+              <a:t>bed VCF files sent 2021 08 01 in </a:t>
             </a:r>
             <a:r>
               <a:rPr lang="en-US" dirty="0"/>
